--- a/graphicfiles/WebDesign.pptx
+++ b/graphicfiles/WebDesign.pptx
@@ -6,6 +6,7 @@
   </p:sldMasterIdLst>
   <p:sldIdLst>
     <p:sldId id="256" r:id="rId2"/>
+    <p:sldId id="257" r:id="rId3"/>
   </p:sldIdLst>
   <p:sldSz cx="12192000" cy="6858000"/>
   <p:notesSz cx="6858000" cy="9144000"/>
@@ -104,6 +105,11 @@
       </a:defRPr>
     </a:lvl9pPr>
   </p:defaultTextStyle>
+  <p:extLst>
+    <p:ext uri="{EFAFB233-063F-42B5-8137-9DF3F51BA10A}">
+      <p15:sldGuideLst xmlns:p15="http://schemas.microsoft.com/office/powerpoint/2012/main"/>
+    </p:ext>
+  </p:extLst>
 </p:presentation>
 </file>
 
@@ -238,7 +244,7 @@
           <a:p>
             <a:fld id="{0BA7272F-CFAD-4476-801F-2137E3AF5B23}" type="datetimeFigureOut">
               <a:rPr lang="en-US" smtClean="0"/>
-              <a:t>5/23/2020</a:t>
+              <a:t>5/24/2020</a:t>
             </a:fld>
             <a:endParaRPr lang="en-US"/>
           </a:p>
@@ -408,7 +414,7 @@
           <a:p>
             <a:fld id="{0BA7272F-CFAD-4476-801F-2137E3AF5B23}" type="datetimeFigureOut">
               <a:rPr lang="en-US" smtClean="0"/>
-              <a:t>5/23/2020</a:t>
+              <a:t>5/24/2020</a:t>
             </a:fld>
             <a:endParaRPr lang="en-US"/>
           </a:p>
@@ -588,7 +594,7 @@
           <a:p>
             <a:fld id="{0BA7272F-CFAD-4476-801F-2137E3AF5B23}" type="datetimeFigureOut">
               <a:rPr lang="en-US" smtClean="0"/>
-              <a:t>5/23/2020</a:t>
+              <a:t>5/24/2020</a:t>
             </a:fld>
             <a:endParaRPr lang="en-US"/>
           </a:p>
@@ -758,7 +764,7 @@
           <a:p>
             <a:fld id="{0BA7272F-CFAD-4476-801F-2137E3AF5B23}" type="datetimeFigureOut">
               <a:rPr lang="en-US" smtClean="0"/>
-              <a:t>5/23/2020</a:t>
+              <a:t>5/24/2020</a:t>
             </a:fld>
             <a:endParaRPr lang="en-US"/>
           </a:p>
@@ -1004,7 +1010,7 @@
           <a:p>
             <a:fld id="{0BA7272F-CFAD-4476-801F-2137E3AF5B23}" type="datetimeFigureOut">
               <a:rPr lang="en-US" smtClean="0"/>
-              <a:t>5/23/2020</a:t>
+              <a:t>5/24/2020</a:t>
             </a:fld>
             <a:endParaRPr lang="en-US"/>
           </a:p>
@@ -1236,7 +1242,7 @@
           <a:p>
             <a:fld id="{0BA7272F-CFAD-4476-801F-2137E3AF5B23}" type="datetimeFigureOut">
               <a:rPr lang="en-US" smtClean="0"/>
-              <a:t>5/23/2020</a:t>
+              <a:t>5/24/2020</a:t>
             </a:fld>
             <a:endParaRPr lang="en-US"/>
           </a:p>
@@ -1603,7 +1609,7 @@
           <a:p>
             <a:fld id="{0BA7272F-CFAD-4476-801F-2137E3AF5B23}" type="datetimeFigureOut">
               <a:rPr lang="en-US" smtClean="0"/>
-              <a:t>5/23/2020</a:t>
+              <a:t>5/24/2020</a:t>
             </a:fld>
             <a:endParaRPr lang="en-US"/>
           </a:p>
@@ -1721,7 +1727,7 @@
           <a:p>
             <a:fld id="{0BA7272F-CFAD-4476-801F-2137E3AF5B23}" type="datetimeFigureOut">
               <a:rPr lang="en-US" smtClean="0"/>
-              <a:t>5/23/2020</a:t>
+              <a:t>5/24/2020</a:t>
             </a:fld>
             <a:endParaRPr lang="en-US"/>
           </a:p>
@@ -1816,7 +1822,7 @@
           <a:p>
             <a:fld id="{0BA7272F-CFAD-4476-801F-2137E3AF5B23}" type="datetimeFigureOut">
               <a:rPr lang="en-US" smtClean="0"/>
-              <a:t>5/23/2020</a:t>
+              <a:t>5/24/2020</a:t>
             </a:fld>
             <a:endParaRPr lang="en-US"/>
           </a:p>
@@ -2093,7 +2099,7 @@
           <a:p>
             <a:fld id="{0BA7272F-CFAD-4476-801F-2137E3AF5B23}" type="datetimeFigureOut">
               <a:rPr lang="en-US" smtClean="0"/>
-              <a:t>5/23/2020</a:t>
+              <a:t>5/24/2020</a:t>
             </a:fld>
             <a:endParaRPr lang="en-US"/>
           </a:p>
@@ -2346,7 +2352,7 @@
           <a:p>
             <a:fld id="{0BA7272F-CFAD-4476-801F-2137E3AF5B23}" type="datetimeFigureOut">
               <a:rPr lang="en-US" smtClean="0"/>
-              <a:t>5/23/2020</a:t>
+              <a:t>5/24/2020</a:t>
             </a:fld>
             <a:endParaRPr lang="en-US"/>
           </a:p>
@@ -2559,7 +2565,7 @@
           <a:p>
             <a:fld id="{0BA7272F-CFAD-4476-801F-2137E3AF5B23}" type="datetimeFigureOut">
               <a:rPr lang="en-US" smtClean="0"/>
-              <a:t>5/23/2020</a:t>
+              <a:t>5/24/2020</a:t>
             </a:fld>
             <a:endParaRPr lang="en-US"/>
           </a:p>
@@ -3364,6 +3370,332 @@
 </p:sld>
 </file>
 
+<file path=ppt/slides/slide2.xml><?xml version="1.0" encoding="utf-8"?>
+<p:sld xmlns:a="http://schemas.openxmlformats.org/drawingml/2006/main" xmlns:r="http://schemas.openxmlformats.org/officeDocument/2006/relationships" xmlns:p="http://schemas.openxmlformats.org/presentationml/2006/main">
+  <p:cSld>
+    <p:spTree>
+      <p:nvGrpSpPr>
+        <p:cNvPr id="1" name=""/>
+        <p:cNvGrpSpPr/>
+        <p:nvPr/>
+      </p:nvGrpSpPr>
+      <p:grpSpPr>
+        <a:xfrm>
+          <a:off x="0" y="0"/>
+          <a:ext cx="0" cy="0"/>
+          <a:chOff x="0" y="0"/>
+          <a:chExt cx="0" cy="0"/>
+        </a:xfrm>
+      </p:grpSpPr>
+      <p:grpSp>
+        <p:nvGrpSpPr>
+          <p:cNvPr id="11" name="Group 10"/>
+          <p:cNvGrpSpPr/>
+          <p:nvPr/>
+        </p:nvGrpSpPr>
+        <p:grpSpPr>
+          <a:xfrm>
+            <a:off x="-85761" y="0"/>
+            <a:ext cx="12277761" cy="7002545"/>
+            <a:chOff x="-85761" y="0"/>
+            <a:chExt cx="12277761" cy="7002545"/>
+          </a:xfrm>
+        </p:grpSpPr>
+        <p:pic>
+          <p:nvPicPr>
+            <p:cNvPr id="7" name="Picture 6"/>
+            <p:cNvPicPr>
+              <a:picLocks noChangeAspect="1"/>
+            </p:cNvPicPr>
+            <p:nvPr/>
+          </p:nvPicPr>
+          <p:blipFill>
+            <a:blip r:embed="rId2">
+              <a:extLst>
+                <a:ext uri="{28A0092B-C50C-407E-A947-70E740481C1C}">
+                  <a14:useLocalDpi xmlns:a14="http://schemas.microsoft.com/office/drawing/2010/main" val="0"/>
+                </a:ext>
+              </a:extLst>
+            </a:blip>
+            <a:stretch>
+              <a:fillRect/>
+            </a:stretch>
+          </p:blipFill>
+          <p:spPr>
+            <a:xfrm>
+              <a:off x="0" y="0"/>
+              <a:ext cx="12192000" cy="6858000"/>
+            </a:xfrm>
+            <a:prstGeom prst="rect">
+              <a:avLst/>
+            </a:prstGeom>
+          </p:spPr>
+        </p:pic>
+        <p:sp>
+          <p:nvSpPr>
+            <p:cNvPr id="9" name="Rectangle 8"/>
+            <p:cNvSpPr/>
+            <p:nvPr/>
+          </p:nvSpPr>
+          <p:spPr>
+            <a:xfrm>
+              <a:off x="78141" y="0"/>
+              <a:ext cx="12113859" cy="6858000"/>
+            </a:xfrm>
+            <a:prstGeom prst="rect">
+              <a:avLst/>
+            </a:prstGeom>
+            <a:solidFill>
+              <a:srgbClr val="3769C2"/>
+            </a:solidFill>
+            <a:ln>
+              <a:noFill/>
+            </a:ln>
+          </p:spPr>
+          <p:style>
+            <a:lnRef idx="2">
+              <a:schemeClr val="accent1">
+                <a:shade val="50000"/>
+              </a:schemeClr>
+            </a:lnRef>
+            <a:fillRef idx="1">
+              <a:schemeClr val="accent1"/>
+            </a:fillRef>
+            <a:effectRef idx="0">
+              <a:schemeClr val="accent1"/>
+            </a:effectRef>
+            <a:fontRef idx="minor">
+              <a:schemeClr val="lt1"/>
+            </a:fontRef>
+          </p:style>
+          <p:txBody>
+            <a:bodyPr rtlCol="0" anchor="ctr"/>
+            <a:lstStyle/>
+            <a:p>
+              <a:pPr algn="ctr"/>
+              <a:endParaRPr lang="en-US"/>
+            </a:p>
+          </p:txBody>
+        </p:sp>
+        <p:pic>
+          <p:nvPicPr>
+            <p:cNvPr id="5" name="Picture 4"/>
+            <p:cNvPicPr>
+              <a:picLocks noChangeAspect="1"/>
+            </p:cNvPicPr>
+            <p:nvPr/>
+          </p:nvPicPr>
+          <p:blipFill>
+            <a:blip r:embed="rId3">
+              <a:extLst>
+                <a:ext uri="{28A0092B-C50C-407E-A947-70E740481C1C}">
+                  <a14:useLocalDpi xmlns:a14="http://schemas.microsoft.com/office/drawing/2010/main" val="0"/>
+                </a:ext>
+              </a:extLst>
+            </a:blip>
+            <a:stretch>
+              <a:fillRect/>
+            </a:stretch>
+          </p:blipFill>
+          <p:spPr>
+            <a:xfrm>
+              <a:off x="-85761" y="302977"/>
+              <a:ext cx="3723660" cy="2989156"/>
+            </a:xfrm>
+            <a:prstGeom prst="rect">
+              <a:avLst/>
+            </a:prstGeom>
+            <a:scene3d>
+              <a:camera prst="perspectiveContrastingRightFacing"/>
+              <a:lightRig rig="threePt" dir="t"/>
+            </a:scene3d>
+          </p:spPr>
+        </p:pic>
+        <p:pic>
+          <p:nvPicPr>
+            <p:cNvPr id="6" name="Picture 5"/>
+            <p:cNvPicPr>
+              <a:picLocks noChangeAspect="1"/>
+            </p:cNvPicPr>
+            <p:nvPr/>
+          </p:nvPicPr>
+          <p:blipFill>
+            <a:blip r:embed="rId4" cstate="print">
+              <a:extLst>
+                <a:ext uri="{28A0092B-C50C-407E-A947-70E740481C1C}">
+                  <a14:useLocalDpi xmlns:a14="http://schemas.microsoft.com/office/drawing/2010/main" val="0"/>
+                </a:ext>
+              </a:extLst>
+            </a:blip>
+            <a:stretch>
+              <a:fillRect/>
+            </a:stretch>
+          </p:blipFill>
+          <p:spPr>
+            <a:xfrm>
+              <a:off x="-85761" y="3595109"/>
+              <a:ext cx="5324364" cy="3407436"/>
+            </a:xfrm>
+            <a:prstGeom prst="ellipse">
+              <a:avLst/>
+            </a:prstGeom>
+            <a:ln>
+              <a:noFill/>
+            </a:ln>
+            <a:effectLst>
+              <a:softEdge rad="112500"/>
+            </a:effectLst>
+          </p:spPr>
+        </p:pic>
+        <p:pic>
+          <p:nvPicPr>
+            <p:cNvPr id="8" name="Picture 7"/>
+            <p:cNvPicPr>
+              <a:picLocks noChangeAspect="1"/>
+            </p:cNvPicPr>
+            <p:nvPr/>
+          </p:nvPicPr>
+          <p:blipFill>
+            <a:blip r:embed="rId5"/>
+            <a:stretch>
+              <a:fillRect/>
+            </a:stretch>
+          </p:blipFill>
+          <p:spPr>
+            <a:xfrm>
+              <a:off x="5828732" y="1267048"/>
+              <a:ext cx="6107154" cy="4374627"/>
+            </a:xfrm>
+            <a:prstGeom prst="roundRect">
+              <a:avLst>
+                <a:gd name="adj" fmla="val 16667"/>
+              </a:avLst>
+            </a:prstGeom>
+            <a:ln>
+              <a:noFill/>
+            </a:ln>
+            <a:effectLst>
+              <a:outerShdw blurRad="152400" dist="12000" dir="900000" sy="98000" kx="110000" ky="200000" algn="tl" rotWithShape="0">
+                <a:srgbClr val="000000">
+                  <a:alpha val="30000"/>
+                </a:srgbClr>
+              </a:outerShdw>
+            </a:effectLst>
+            <a:scene3d>
+              <a:camera prst="perspectiveRelaxed">
+                <a:rot lat="19800000" lon="1200000" rev="20820000"/>
+              </a:camera>
+              <a:lightRig rig="threePt" dir="t"/>
+            </a:scene3d>
+            <a:sp3d contourW="6350" prstMaterial="matte">
+              <a:bevelT w="101600" h="101600"/>
+              <a:contourClr>
+                <a:srgbClr val="969696"/>
+              </a:contourClr>
+            </a:sp3d>
+          </p:spPr>
+        </p:pic>
+        <p:sp>
+          <p:nvSpPr>
+            <p:cNvPr id="10" name="Rectangle 9"/>
+            <p:cNvSpPr/>
+            <p:nvPr/>
+          </p:nvSpPr>
+          <p:spPr>
+            <a:xfrm>
+              <a:off x="4293938" y="50723"/>
+              <a:ext cx="7744812" cy="1477328"/>
+            </a:xfrm>
+            <a:prstGeom prst="rect">
+              <a:avLst/>
+            </a:prstGeom>
+            <a:noFill/>
+          </p:spPr>
+          <p:txBody>
+            <a:bodyPr wrap="none" lIns="91440" tIns="45720" rIns="91440" bIns="45720">
+              <a:spAutoFit/>
+            </a:bodyPr>
+            <a:lstStyle/>
+            <a:p>
+              <a:pPr algn="ctr"/>
+              <a:r>
+                <a:rPr lang="en-US" sz="5400" b="1" cap="none" spc="0" dirty="0" smtClean="0">
+                  <a:ln w="0"/>
+                  <a:solidFill>
+                    <a:schemeClr val="bg1"/>
+                  </a:solidFill>
+                  <a:effectLst>
+                    <a:outerShdw blurRad="38100" dist="19050" dir="2700000" algn="tl" rotWithShape="0">
+                      <a:schemeClr val="dk1">
+                        <a:alpha val="40000"/>
+                      </a:schemeClr>
+                    </a:outerShdw>
+                  </a:effectLst>
+                </a:rPr>
+                <a:t>Block-Squid</a:t>
+              </a:r>
+              <a:endParaRPr lang="en-US" sz="3600" b="1" cap="none" spc="0" dirty="0" smtClean="0">
+                <a:ln w="0"/>
+                <a:solidFill>
+                  <a:schemeClr val="bg1"/>
+                </a:solidFill>
+                <a:effectLst>
+                  <a:outerShdw blurRad="38100" dist="19050" dir="2700000" algn="tl" rotWithShape="0">
+                    <a:schemeClr val="dk1">
+                      <a:alpha val="40000"/>
+                    </a:schemeClr>
+                  </a:outerShdw>
+                </a:effectLst>
+              </a:endParaRPr>
+            </a:p>
+            <a:p>
+              <a:pPr algn="ctr"/>
+              <a:r>
+                <a:rPr lang="en-IN" sz="3600" b="1" dirty="0" smtClean="0">
+                  <a:ln w="0"/>
+                  <a:solidFill>
+                    <a:schemeClr val="bg1"/>
+                  </a:solidFill>
+                  <a:effectLst>
+                    <a:outerShdw blurRad="38100" dist="19050" dir="2700000" algn="tl" rotWithShape="0">
+                      <a:schemeClr val="dk1">
+                        <a:alpha val="40000"/>
+                      </a:schemeClr>
+                    </a:outerShdw>
+                  </a:effectLst>
+                </a:rPr>
+                <a:t>Managing Waste water with Blockchain</a:t>
+              </a:r>
+              <a:endParaRPr lang="en-US" sz="5400" b="1" cap="none" spc="0" dirty="0">
+                <a:ln w="0"/>
+                <a:solidFill>
+                  <a:schemeClr val="bg1"/>
+                </a:solidFill>
+                <a:effectLst>
+                  <a:outerShdw blurRad="38100" dist="19050" dir="2700000" algn="tl" rotWithShape="0">
+                    <a:schemeClr val="dk1">
+                      <a:alpha val="40000"/>
+                    </a:schemeClr>
+                  </a:outerShdw>
+                </a:effectLst>
+              </a:endParaRPr>
+            </a:p>
+          </p:txBody>
+        </p:sp>
+      </p:grpSp>
+    </p:spTree>
+    <p:extLst>
+      <p:ext uri="{BB962C8B-B14F-4D97-AF65-F5344CB8AC3E}">
+        <p14:creationId xmlns:p14="http://schemas.microsoft.com/office/powerpoint/2010/main" val="3330715329"/>
+      </p:ext>
+    </p:extLst>
+  </p:cSld>
+  <p:clrMapOvr>
+    <a:masterClrMapping/>
+  </p:clrMapOvr>
+</p:sld>
+</file>
+
 <file path=ppt/theme/theme1.xml><?xml version="1.0" encoding="utf-8"?>
 <a:theme xmlns:a="http://schemas.openxmlformats.org/drawingml/2006/main" name="Office Theme">
   <a:themeElements>
